--- a/PythonBootCamp/SlideShow/Section02-PythonSetup/06-CommandLineBasics.pptx
+++ b/PythonBootCamp/SlideShow/Section02-PythonSetup/06-CommandLineBasics.pptx
@@ -202,7 +202,7 @@
           <a:p>
             <a:fld id="{5B79B13B-B15A-644F-80A2-D25F6D0AFE03}" type="datetimeFigureOut">
               <a:rPr lang="en-US" smtClean="0"/>
-              <a:t>6/22/24</a:t>
+              <a:t>7/23/24</a:t>
             </a:fld>
             <a:endParaRPr lang="en-US"/>
           </a:p>
@@ -1240,7 +1240,7 @@
           <a:p>
             <a:fld id="{AE741047-A3F3-1D43-969B-0E6FC029202D}" type="datetimeFigureOut">
               <a:rPr lang="en-US" smtClean="0"/>
-              <a:t>6/22/24</a:t>
+              <a:t>7/23/24</a:t>
             </a:fld>
             <a:endParaRPr lang="en-US"/>
           </a:p>
@@ -1438,7 +1438,7 @@
           <a:p>
             <a:fld id="{AE741047-A3F3-1D43-969B-0E6FC029202D}" type="datetimeFigureOut">
               <a:rPr lang="en-US" smtClean="0"/>
-              <a:t>6/22/24</a:t>
+              <a:t>7/23/24</a:t>
             </a:fld>
             <a:endParaRPr lang="en-US"/>
           </a:p>
@@ -1646,7 +1646,7 @@
           <a:p>
             <a:fld id="{AE741047-A3F3-1D43-969B-0E6FC029202D}" type="datetimeFigureOut">
               <a:rPr lang="en-US" smtClean="0"/>
-              <a:t>6/22/24</a:t>
+              <a:t>7/23/24</a:t>
             </a:fld>
             <a:endParaRPr lang="en-US"/>
           </a:p>
@@ -2203,7 +2203,7 @@
           <a:p>
             <a:fld id="{AE741047-A3F3-1D43-969B-0E6FC029202D}" type="datetimeFigureOut">
               <a:rPr lang="en-US" smtClean="0"/>
-              <a:t>6/22/24</a:t>
+              <a:t>7/23/24</a:t>
             </a:fld>
             <a:endParaRPr lang="en-US"/>
           </a:p>
@@ -2478,7 +2478,7 @@
           <a:p>
             <a:fld id="{AE741047-A3F3-1D43-969B-0E6FC029202D}" type="datetimeFigureOut">
               <a:rPr lang="en-US" smtClean="0"/>
-              <a:t>6/22/24</a:t>
+              <a:t>7/23/24</a:t>
             </a:fld>
             <a:endParaRPr lang="en-US"/>
           </a:p>
@@ -2743,7 +2743,7 @@
           <a:p>
             <a:fld id="{AE741047-A3F3-1D43-969B-0E6FC029202D}" type="datetimeFigureOut">
               <a:rPr lang="en-US" smtClean="0"/>
-              <a:t>6/22/24</a:t>
+              <a:t>7/23/24</a:t>
             </a:fld>
             <a:endParaRPr lang="en-US"/>
           </a:p>
@@ -3155,7 +3155,7 @@
           <a:p>
             <a:fld id="{AE741047-A3F3-1D43-969B-0E6FC029202D}" type="datetimeFigureOut">
               <a:rPr lang="en-US" smtClean="0"/>
-              <a:t>6/22/24</a:t>
+              <a:t>7/23/24</a:t>
             </a:fld>
             <a:endParaRPr lang="en-US"/>
           </a:p>
@@ -3296,7 +3296,7 @@
           <a:p>
             <a:fld id="{AE741047-A3F3-1D43-969B-0E6FC029202D}" type="datetimeFigureOut">
               <a:rPr lang="en-US" smtClean="0"/>
-              <a:t>6/22/24</a:t>
+              <a:t>7/23/24</a:t>
             </a:fld>
             <a:endParaRPr lang="en-US"/>
           </a:p>
@@ -3409,7 +3409,7 @@
           <a:p>
             <a:fld id="{AE741047-A3F3-1D43-969B-0E6FC029202D}" type="datetimeFigureOut">
               <a:rPr lang="en-US" smtClean="0"/>
-              <a:t>6/22/24</a:t>
+              <a:t>7/23/24</a:t>
             </a:fld>
             <a:endParaRPr lang="en-US"/>
           </a:p>
@@ -3720,7 +3720,7 @@
           <a:p>
             <a:fld id="{AE741047-A3F3-1D43-969B-0E6FC029202D}" type="datetimeFigureOut">
               <a:rPr lang="en-US" smtClean="0"/>
-              <a:t>6/22/24</a:t>
+              <a:t>7/23/24</a:t>
             </a:fld>
             <a:endParaRPr lang="en-US"/>
           </a:p>
@@ -4008,7 +4008,7 @@
           <a:p>
             <a:fld id="{AE741047-A3F3-1D43-969B-0E6FC029202D}" type="datetimeFigureOut">
               <a:rPr lang="en-US" smtClean="0"/>
-              <a:t>6/22/24</a:t>
+              <a:t>7/23/24</a:t>
             </a:fld>
             <a:endParaRPr lang="en-US"/>
           </a:p>
@@ -4249,7 +4249,7 @@
           <a:p>
             <a:fld id="{AE741047-A3F3-1D43-969B-0E6FC029202D}" type="datetimeFigureOut">
               <a:rPr lang="en-US" smtClean="0"/>
-              <a:t>6/22/24</a:t>
+              <a:t>7/23/24</a:t>
             </a:fld>
             <a:endParaRPr lang="en-US"/>
           </a:p>
@@ -5939,6 +5939,9 @@
                 <a:solidFill>
                   <a:srgbClr val="0070C0"/>
                 </a:solidFill>
+                <a:highlight>
+                  <a:srgbClr val="FFFF00"/>
+                </a:highlight>
                 <a:latin typeface="Arial Narrow" panose="020B0604020202020204" pitchFamily="34" charset="0"/>
                 <a:ea typeface="Montserrat"/>
                 <a:cs typeface="Arial Narrow" panose="020B0604020202020204" pitchFamily="34" charset="0"/>
@@ -6112,8 +6115,8 @@
         </p:nvSpPr>
         <p:spPr>
           <a:xfrm>
-            <a:off x="2283373" y="4233058"/>
-            <a:ext cx="7625254" cy="523220"/>
+            <a:off x="1467507" y="4212038"/>
+            <a:ext cx="9256986" cy="523220"/>
           </a:xfrm>
           <a:prstGeom prst="rect">
             <a:avLst/>
@@ -6131,12 +6134,15 @@
                 <a:solidFill>
                   <a:srgbClr val="0070C0"/>
                 </a:solidFill>
+                <a:highlight>
+                  <a:srgbClr val="FFFF00"/>
+                </a:highlight>
                 <a:latin typeface="Arial Narrow" panose="020B0604020202020204" pitchFamily="34" charset="0"/>
                 <a:ea typeface="Montserrat"/>
                 <a:cs typeface="Arial Narrow" panose="020B0604020202020204" pitchFamily="34" charset="0"/>
                 <a:sym typeface="Montserrat"/>
               </a:rPr>
-              <a:t>[See Video for Command Usages and Understanding]</a:t>
+              <a:t>[See Video for  OSX Linux Command Usages and Understanding]</a:t>
             </a:r>
           </a:p>
         </p:txBody>
